--- a/docs/Delete.pptx
+++ b/docs/Delete.pptx
@@ -126,6 +126,155 @@
 </p:presentation>
 </file>
 
+<file path=ppt/revisionInfo.xml><?xml version="1.0" encoding="utf-8"?>
+<p1510:revInfo xmlns:a="http://schemas.openxmlformats.org/drawingml/2006/main" xmlns:r="http://schemas.openxmlformats.org/officeDocument/2006/relationships" xmlns:p1510="http://schemas.microsoft.com/office/powerpoint/2015/10/main">
+  <p1510:revLst>
+    <p1510:client id="{8FAF00C3-F61C-42E2-99A3-FBCBDDBEE570}" v="5" dt="2020-03-23T06:24:15.579"/>
+  </p1510:revLst>
+</p1510:revInfo>
+</file>
+
+<file path=ppt/changesInfos/changesInfo1.xml><?xml version="1.0" encoding="utf-8"?>
+<pc:chgInfo xmlns:a="http://schemas.openxmlformats.org/drawingml/2006/main" xmlns:r="http://schemas.openxmlformats.org/officeDocument/2006/relationships" xmlns:ac="http://schemas.microsoft.com/office/drawing/2013/main/command" xmlns:pc="http://schemas.microsoft.com/office/powerpoint/2013/main/command">
+  <pc:docChgLst>
+    <pc:chgData name="Shannon Wong" userId="8c83f3d3550a5322" providerId="LiveId" clId="{8FAF00C3-F61C-42E2-99A3-FBCBDDBEE570}"/>
+    <pc:docChg chg="undo modSld">
+      <pc:chgData name="Shannon Wong" userId="8c83f3d3550a5322" providerId="LiveId" clId="{8FAF00C3-F61C-42E2-99A3-FBCBDDBEE570}" dt="2020-03-23T06:36:26.913" v="23" actId="1035"/>
+      <pc:docMkLst>
+        <pc:docMk/>
+      </pc:docMkLst>
+      <pc:sldChg chg="modSp">
+        <pc:chgData name="Shannon Wong" userId="8c83f3d3550a5322" providerId="LiveId" clId="{8FAF00C3-F61C-42E2-99A3-FBCBDDBEE570}" dt="2020-03-23T06:36:26.913" v="23" actId="1035"/>
+        <pc:sldMkLst>
+          <pc:docMk/>
+          <pc:sldMk cId="3228498101" sldId="269"/>
+        </pc:sldMkLst>
+        <pc:spChg chg="mod">
+          <ac:chgData name="Shannon Wong" userId="8c83f3d3550a5322" providerId="LiveId" clId="{8FAF00C3-F61C-42E2-99A3-FBCBDDBEE570}" dt="2020-03-23T06:24:37.714" v="13" actId="1038"/>
+          <ac:spMkLst>
+            <pc:docMk/>
+            <pc:sldMk cId="3228498101" sldId="269"/>
+            <ac:spMk id="18" creationId="{00000000-0000-0000-0000-000000000000}"/>
+          </ac:spMkLst>
+        </pc:spChg>
+        <pc:spChg chg="mod">
+          <ac:chgData name="Shannon Wong" userId="8c83f3d3550a5322" providerId="LiveId" clId="{8FAF00C3-F61C-42E2-99A3-FBCBDDBEE570}" dt="2020-03-23T06:24:37.714" v="13" actId="1038"/>
+          <ac:spMkLst>
+            <pc:docMk/>
+            <pc:sldMk cId="3228498101" sldId="269"/>
+            <ac:spMk id="21" creationId="{00000000-0000-0000-0000-000000000000}"/>
+          </ac:spMkLst>
+        </pc:spChg>
+        <pc:spChg chg="mod">
+          <ac:chgData name="Shannon Wong" userId="8c83f3d3550a5322" providerId="LiveId" clId="{8FAF00C3-F61C-42E2-99A3-FBCBDDBEE570}" dt="2020-03-23T06:24:58.011" v="14" actId="14100"/>
+          <ac:spMkLst>
+            <pc:docMk/>
+            <pc:sldMk cId="3228498101" sldId="269"/>
+            <ac:spMk id="24" creationId="{00000000-0000-0000-0000-000000000000}"/>
+          </ac:spMkLst>
+        </pc:spChg>
+        <pc:spChg chg="mod">
+          <ac:chgData name="Shannon Wong" userId="8c83f3d3550a5322" providerId="LiveId" clId="{8FAF00C3-F61C-42E2-99A3-FBCBDDBEE570}" dt="2020-03-23T06:24:37.714" v="13" actId="1038"/>
+          <ac:spMkLst>
+            <pc:docMk/>
+            <pc:sldMk cId="3228498101" sldId="269"/>
+            <ac:spMk id="33" creationId="{00000000-0000-0000-0000-000000000000}"/>
+          </ac:spMkLst>
+        </pc:spChg>
+        <pc:spChg chg="mod">
+          <ac:chgData name="Shannon Wong" userId="8c83f3d3550a5322" providerId="LiveId" clId="{8FAF00C3-F61C-42E2-99A3-FBCBDDBEE570}" dt="2020-03-23T06:36:26.913" v="23" actId="1035"/>
+          <ac:spMkLst>
+            <pc:docMk/>
+            <pc:sldMk cId="3228498101" sldId="269"/>
+            <ac:spMk id="38" creationId="{00000000-0000-0000-0000-000000000000}"/>
+          </ac:spMkLst>
+        </pc:spChg>
+        <pc:spChg chg="mod">
+          <ac:chgData name="Shannon Wong" userId="8c83f3d3550a5322" providerId="LiveId" clId="{8FAF00C3-F61C-42E2-99A3-FBCBDDBEE570}" dt="2020-03-23T06:24:37.714" v="13" actId="1038"/>
+          <ac:spMkLst>
+            <pc:docMk/>
+            <pc:sldMk cId="3228498101" sldId="269"/>
+            <ac:spMk id="40" creationId="{00000000-0000-0000-0000-000000000000}"/>
+          </ac:spMkLst>
+        </pc:spChg>
+        <pc:spChg chg="mod">
+          <ac:chgData name="Shannon Wong" userId="8c83f3d3550a5322" providerId="LiveId" clId="{8FAF00C3-F61C-42E2-99A3-FBCBDDBEE570}" dt="2020-03-23T06:24:37.714" v="13" actId="1038"/>
+          <ac:spMkLst>
+            <pc:docMk/>
+            <pc:sldMk cId="3228498101" sldId="269"/>
+            <ac:spMk id="42" creationId="{569EC1FF-3CDF-4E6B-82B3-104CCA3F3E9D}"/>
+          </ac:spMkLst>
+        </pc:spChg>
+        <pc:spChg chg="mod">
+          <ac:chgData name="Shannon Wong" userId="8c83f3d3550a5322" providerId="LiveId" clId="{8FAF00C3-F61C-42E2-99A3-FBCBDDBEE570}" dt="2020-03-23T06:25:48.793" v="20" actId="14100"/>
+          <ac:spMkLst>
+            <pc:docMk/>
+            <pc:sldMk cId="3228498101" sldId="269"/>
+            <ac:spMk id="45" creationId="{0EB24DA8-2498-4853-AED4-3458A81C456A}"/>
+          </ac:spMkLst>
+        </pc:spChg>
+        <pc:spChg chg="mod">
+          <ac:chgData name="Shannon Wong" userId="8c83f3d3550a5322" providerId="LiveId" clId="{8FAF00C3-F61C-42E2-99A3-FBCBDDBEE570}" dt="2020-03-23T06:24:37.714" v="13" actId="1038"/>
+          <ac:spMkLst>
+            <pc:docMk/>
+            <pc:sldMk cId="3228498101" sldId="269"/>
+            <ac:spMk id="46" creationId="{9BC66A45-C94A-4E62-8981-39EC5DACDD6D}"/>
+          </ac:spMkLst>
+        </pc:spChg>
+        <pc:spChg chg="mod">
+          <ac:chgData name="Shannon Wong" userId="8c83f3d3550a5322" providerId="LiveId" clId="{8FAF00C3-F61C-42E2-99A3-FBCBDDBEE570}" dt="2020-03-23T06:24:15.578" v="4" actId="20577"/>
+          <ac:spMkLst>
+            <pc:docMk/>
+            <pc:sldMk cId="3228498101" sldId="269"/>
+            <ac:spMk id="47" creationId="{342B431E-151F-4A55-A1AE-57F6FE56D1EF}"/>
+          </ac:spMkLst>
+        </pc:spChg>
+        <pc:spChg chg="mod">
+          <ac:chgData name="Shannon Wong" userId="8c83f3d3550a5322" providerId="LiveId" clId="{8FAF00C3-F61C-42E2-99A3-FBCBDDBEE570}" dt="2020-03-23T06:25:35.646" v="19" actId="1035"/>
+          <ac:spMkLst>
+            <pc:docMk/>
+            <pc:sldMk cId="3228498101" sldId="269"/>
+            <ac:spMk id="51" creationId="{34020A70-184B-4A57-816D-CCE686742C10}"/>
+          </ac:spMkLst>
+        </pc:spChg>
+        <pc:spChg chg="mod">
+          <ac:chgData name="Shannon Wong" userId="8c83f3d3550a5322" providerId="LiveId" clId="{8FAF00C3-F61C-42E2-99A3-FBCBDDBEE570}" dt="2020-03-23T06:24:37.714" v="13" actId="1038"/>
+          <ac:spMkLst>
+            <pc:docMk/>
+            <pc:sldMk cId="3228498101" sldId="269"/>
+            <ac:spMk id="52" creationId="{C30F3633-BE5D-441D-9C87-D00C0DFC3E6D}"/>
+          </ac:spMkLst>
+        </pc:spChg>
+        <pc:spChg chg="mod">
+          <ac:chgData name="Shannon Wong" userId="8c83f3d3550a5322" providerId="LiveId" clId="{8FAF00C3-F61C-42E2-99A3-FBCBDDBEE570}" dt="2020-03-23T06:24:37.714" v="13" actId="1038"/>
+          <ac:spMkLst>
+            <pc:docMk/>
+            <pc:sldMk cId="3228498101" sldId="269"/>
+            <ac:spMk id="53" creationId="{E7397DF1-A503-43B8-9D46-710440F45D61}"/>
+          </ac:spMkLst>
+        </pc:spChg>
+        <pc:cxnChg chg="mod">
+          <ac:chgData name="Shannon Wong" userId="8c83f3d3550a5322" providerId="LiveId" clId="{8FAF00C3-F61C-42E2-99A3-FBCBDDBEE570}" dt="2020-03-23T06:24:37.714" v="13" actId="1038"/>
+          <ac:cxnSpMkLst>
+            <pc:docMk/>
+            <pc:sldMk cId="3228498101" sldId="269"/>
+            <ac:cxnSpMk id="54" creationId="{BB6AEF2A-70C0-4C86-ACC0-ED4823D6AC46}"/>
+          </ac:cxnSpMkLst>
+        </pc:cxnChg>
+        <pc:cxnChg chg="mod">
+          <ac:chgData name="Shannon Wong" userId="8c83f3d3550a5322" providerId="LiveId" clId="{8FAF00C3-F61C-42E2-99A3-FBCBDDBEE570}" dt="2020-03-23T06:24:37.714" v="13" actId="1038"/>
+          <ac:cxnSpMkLst>
+            <pc:docMk/>
+            <pc:sldMk cId="3228498101" sldId="269"/>
+            <ac:cxnSpMk id="55" creationId="{9664B067-90B9-447F-947E-62F78A316229}"/>
+          </ac:cxnSpMkLst>
+        </pc:cxnChg>
+      </pc:sldChg>
+    </pc:docChg>
+  </pc:docChgLst>
+</pc:chgInfo>
+</file>
+
 <file path=ppt/notesMasters/notesMaster1.xml><?xml version="1.0" encoding="utf-8"?>
 <p:notesMaster xmlns:a="http://schemas.openxmlformats.org/drawingml/2006/main" xmlns:r="http://schemas.openxmlformats.org/officeDocument/2006/relationships" xmlns:p="http://schemas.openxmlformats.org/presentationml/2006/main">
   <p:cSld>
@@ -208,7 +357,7 @@
           <a:p>
             <a:fld id="{9629A0FB-7277-41B0-BEC2-EE35F8B0CE39}" type="datetimeFigureOut">
               <a:rPr lang="en-SG" smtClean="0"/>
-              <a:t>21/3/2020</a:t>
+              <a:t>23/3/2020</a:t>
             </a:fld>
             <a:endParaRPr lang="en-SG"/>
           </a:p>
@@ -4011,7 +4160,7 @@
         </p:nvSpPr>
         <p:spPr bwMode="auto">
           <a:xfrm>
-            <a:off x="4822622" y="2812540"/>
+            <a:off x="5294250" y="2812540"/>
             <a:ext cx="1596653" cy="600164"/>
           </a:xfrm>
           <a:prstGeom prst="rect">
@@ -4176,7 +4325,7 @@
         </p:nvSpPr>
         <p:spPr bwMode="auto">
           <a:xfrm>
-            <a:off x="6061453" y="4044402"/>
+            <a:off x="6533081" y="4044402"/>
             <a:ext cx="1584515" cy="323165"/>
           </a:xfrm>
           <a:prstGeom prst="rect">
@@ -4224,8 +4373,8 @@
         </p:nvSpPr>
         <p:spPr bwMode="auto">
           <a:xfrm flipV="1">
-            <a:off x="3194466" y="3132154"/>
-            <a:ext cx="1628156" cy="7946"/>
+            <a:off x="3194466" y="3109931"/>
+            <a:ext cx="2099784" cy="30169"/>
           </a:xfrm>
           <a:prstGeom prst="line">
             <a:avLst/>
@@ -4370,7 +4519,7 @@
         </p:nvSpPr>
         <p:spPr bwMode="auto">
           <a:xfrm flipH="1">
-            <a:off x="5600337" y="3396473"/>
+            <a:off x="6071965" y="3396473"/>
             <a:ext cx="4560" cy="1893221"/>
           </a:xfrm>
           <a:prstGeom prst="line">
@@ -4463,7 +4612,7 @@
         </p:nvSpPr>
         <p:spPr bwMode="auto">
           <a:xfrm>
-            <a:off x="1211846" y="1521173"/>
+            <a:off x="1211846" y="1600200"/>
             <a:ext cx="1182981" cy="323165"/>
           </a:xfrm>
           <a:prstGeom prst="rect">
@@ -4505,7 +4654,7 @@
         </p:nvSpPr>
         <p:spPr>
           <a:xfrm>
-            <a:off x="5474656" y="4066313"/>
+            <a:off x="5946284" y="4066313"/>
             <a:ext cx="251361" cy="878804"/>
           </a:xfrm>
           <a:prstGeom prst="rect">
@@ -4568,7 +4717,7 @@
         </p:nvSpPr>
         <p:spPr bwMode="auto">
           <a:xfrm>
-            <a:off x="6995972" y="3112622"/>
+            <a:off x="7467600" y="3112622"/>
             <a:ext cx="1676400" cy="600164"/>
           </a:xfrm>
           <a:prstGeom prst="rect">
@@ -4786,8 +4935,8 @@
         </p:nvSpPr>
         <p:spPr bwMode="auto">
           <a:xfrm flipV="1">
-            <a:off x="875317" y="4058368"/>
-            <a:ext cx="4588585" cy="7945"/>
+            <a:off x="875317" y="4066312"/>
+            <a:ext cx="5069986" cy="0"/>
           </a:xfrm>
           <a:prstGeom prst="line">
             <a:avLst/>
@@ -4833,7 +4982,7 @@
         </p:nvSpPr>
         <p:spPr bwMode="auto">
           <a:xfrm>
-            <a:off x="5726017" y="4367567"/>
+            <a:off x="6197645" y="4367567"/>
             <a:ext cx="1970403" cy="11401"/>
           </a:xfrm>
           <a:prstGeom prst="line">
@@ -4913,7 +5062,7 @@
             </a:r>
             <a:r>
               <a:rPr lang="en-US" sz="1500" i="1" dirty="0"/>
-              <a:t>()</a:t>
+              <a:t>(index)</a:t>
             </a:r>
           </a:p>
         </p:txBody>
@@ -5066,7 +5215,7 @@
         </p:nvSpPr>
         <p:spPr bwMode="auto">
           <a:xfrm>
-            <a:off x="3799306" y="3818580"/>
+            <a:off x="3799306" y="3733800"/>
             <a:ext cx="886908" cy="323165"/>
           </a:xfrm>
           <a:prstGeom prst="rect">
@@ -5116,7 +5265,7 @@
         </p:nvSpPr>
         <p:spPr bwMode="auto">
           <a:xfrm>
-            <a:off x="7827643" y="3740237"/>
+            <a:off x="8299271" y="3740237"/>
             <a:ext cx="0" cy="1605048"/>
           </a:xfrm>
           <a:prstGeom prst="line">
@@ -5174,7 +5323,7 @@
         </p:nvSpPr>
         <p:spPr>
           <a:xfrm>
-            <a:off x="7701963" y="4367567"/>
+            <a:off x="8173591" y="4367567"/>
             <a:ext cx="251361" cy="697392"/>
           </a:xfrm>
           <a:prstGeom prst="rect">
@@ -5234,7 +5383,7 @@
         </p:nvCxnSpPr>
         <p:spPr>
           <a:xfrm rot="16200000" flipV="1">
-            <a:off x="5455516" y="5196333"/>
+            <a:off x="5927144" y="5196333"/>
             <a:ext cx="284430" cy="267655"/>
           </a:xfrm>
           <a:prstGeom prst="line">
@@ -5277,7 +5426,7 @@
         </p:nvCxnSpPr>
         <p:spPr>
           <a:xfrm rot="5400000">
-            <a:off x="5448926" y="5200827"/>
+            <a:off x="5920554" y="5200827"/>
             <a:ext cx="288175" cy="266007"/>
           </a:xfrm>
           <a:prstGeom prst="line">

--- a/docs/Delete.pptx
+++ b/docs/Delete.pptx
@@ -357,7 +357,7 @@
           <a:p>
             <a:fld id="{9629A0FB-7277-41B0-BEC2-EE35F8B0CE39}" type="datetimeFigureOut">
               <a:rPr lang="en-SG" smtClean="0"/>
-              <a:t>23/3/2020</a:t>
+              <a:t>24/3/2020</a:t>
             </a:fld>
             <a:endParaRPr lang="en-SG"/>
           </a:p>
@@ -3978,9 +3978,9 @@
           <p:nvPr/>
         </p:nvSpPr>
         <p:spPr bwMode="auto">
-          <a:xfrm>
-            <a:off x="728768" y="1440950"/>
-            <a:ext cx="10115" cy="3904336"/>
+          <a:xfrm flipH="1">
+            <a:off x="723645" y="1440949"/>
+            <a:ext cx="5124" cy="4822691"/>
           </a:xfrm>
           <a:prstGeom prst="line">
             <a:avLst/>
@@ -4103,7 +4103,7 @@
         <p:spPr>
           <a:xfrm>
             <a:off x="603890" y="1721228"/>
-            <a:ext cx="225619" cy="3348432"/>
+            <a:ext cx="225619" cy="4222372"/>
           </a:xfrm>
           <a:prstGeom prst="rect">
             <a:avLst/>
@@ -4373,8 +4373,8 @@
         </p:nvSpPr>
         <p:spPr bwMode="auto">
           <a:xfrm flipV="1">
-            <a:off x="3194466" y="3109931"/>
-            <a:ext cx="2099784" cy="30169"/>
+            <a:off x="3194468" y="3109930"/>
+            <a:ext cx="2099782" cy="0"/>
           </a:xfrm>
           <a:prstGeom prst="line">
             <a:avLst/>
@@ -4519,8 +4519,8 @@
         </p:nvSpPr>
         <p:spPr bwMode="auto">
           <a:xfrm flipH="1">
-            <a:off x="6071965" y="3396473"/>
-            <a:ext cx="4560" cy="1893221"/>
+            <a:off x="6075179" y="3396473"/>
+            <a:ext cx="1346" cy="2470921"/>
           </a:xfrm>
           <a:prstGeom prst="line">
             <a:avLst/>
@@ -4655,7 +4655,7 @@
         <p:spPr>
           <a:xfrm>
             <a:off x="5946284" y="4066313"/>
-            <a:ext cx="251361" cy="878804"/>
+            <a:ext cx="251361" cy="1370068"/>
           </a:xfrm>
           <a:prstGeom prst="rect">
             <a:avLst/>
@@ -5265,8 +5265,8 @@
         </p:nvSpPr>
         <p:spPr bwMode="auto">
           <a:xfrm>
-            <a:off x="8299271" y="3740237"/>
-            <a:ext cx="0" cy="1605048"/>
+            <a:off x="8299271" y="3740236"/>
+            <a:ext cx="1346" cy="2592151"/>
           </a:xfrm>
           <a:prstGeom prst="line">
             <a:avLst/>
@@ -5383,7 +5383,7 @@
         </p:nvCxnSpPr>
         <p:spPr>
           <a:xfrm rot="16200000" flipV="1">
-            <a:off x="5927144" y="5196333"/>
+            <a:off x="5940809" y="5766136"/>
             <a:ext cx="284430" cy="267655"/>
           </a:xfrm>
           <a:prstGeom prst="line">
@@ -5426,7 +5426,7 @@
         </p:nvCxnSpPr>
         <p:spPr>
           <a:xfrm rot="5400000">
-            <a:off x="5920554" y="5200827"/>
+            <a:off x="5934219" y="5770630"/>
             <a:ext cx="288175" cy="266007"/>
           </a:xfrm>
           <a:prstGeom prst="line">
@@ -5455,6 +5455,102 @@
           </a:fontRef>
         </p:style>
       </p:cxnSp>
+      <p:sp>
+        <p:nvSpPr>
+          <p:cNvPr id="30" name="Line 16">
+            <a:extLst>
+              <a:ext uri="{FF2B5EF4-FFF2-40B4-BE49-F238E27FC236}">
+                <a16:creationId xmlns:a16="http://schemas.microsoft.com/office/drawing/2014/main" id="{189BA3D0-8AEC-4A1C-9374-3B627A9B1FF8}"/>
+              </a:ext>
+            </a:extLst>
+          </p:cNvPr>
+          <p:cNvSpPr>
+            <a:spLocks noChangeShapeType="1"/>
+          </p:cNvSpPr>
+          <p:nvPr/>
+        </p:nvSpPr>
+        <p:spPr bwMode="auto">
+          <a:xfrm flipH="1" flipV="1">
+            <a:off x="825522" y="5427032"/>
+            <a:ext cx="5106116" cy="1"/>
+          </a:xfrm>
+          <a:prstGeom prst="line">
+            <a:avLst/>
+          </a:prstGeom>
+          <a:noFill/>
+          <a:ln w="19050">
+            <a:solidFill>
+              <a:schemeClr val="accent3">
+                <a:lumMod val="75000"/>
+              </a:schemeClr>
+            </a:solidFill>
+            <a:prstDash val="sysDash"/>
+            <a:round/>
+            <a:headEnd/>
+            <a:tailEnd type="triangle" w="lg" len="lg"/>
+          </a:ln>
+        </p:spPr>
+        <p:txBody>
+          <a:bodyPr/>
+          <a:lstStyle/>
+          <a:p>
+            <a:pPr defTabSz="872733"/>
+            <a:endParaRPr lang="en-US" sz="1500">
+              <a:solidFill>
+                <a:prstClr val="black"/>
+              </a:solidFill>
+            </a:endParaRPr>
+          </a:p>
+        </p:txBody>
+      </p:sp>
+      <p:sp>
+        <p:nvSpPr>
+          <p:cNvPr id="31" name="Line 16">
+            <a:extLst>
+              <a:ext uri="{FF2B5EF4-FFF2-40B4-BE49-F238E27FC236}">
+                <a16:creationId xmlns:a16="http://schemas.microsoft.com/office/drawing/2014/main" id="{31A19B62-A0CB-4B26-AE69-094377D19912}"/>
+              </a:ext>
+            </a:extLst>
+          </p:cNvPr>
+          <p:cNvSpPr>
+            <a:spLocks noChangeShapeType="1"/>
+          </p:cNvSpPr>
+          <p:nvPr/>
+        </p:nvSpPr>
+        <p:spPr bwMode="auto">
+          <a:xfrm flipH="1" flipV="1">
+            <a:off x="6205419" y="5045147"/>
+            <a:ext cx="1962628" cy="5529"/>
+          </a:xfrm>
+          <a:prstGeom prst="line">
+            <a:avLst/>
+          </a:prstGeom>
+          <a:noFill/>
+          <a:ln w="19050">
+            <a:solidFill>
+              <a:schemeClr val="bg2">
+                <a:lumMod val="50000"/>
+              </a:schemeClr>
+            </a:solidFill>
+            <a:prstDash val="sysDash"/>
+            <a:round/>
+            <a:headEnd/>
+            <a:tailEnd type="triangle" w="lg" len="lg"/>
+          </a:ln>
+        </p:spPr>
+        <p:txBody>
+          <a:bodyPr/>
+          <a:lstStyle/>
+          <a:p>
+            <a:pPr defTabSz="872733"/>
+            <a:endParaRPr lang="en-US" sz="1500">
+              <a:solidFill>
+                <a:prstClr val="black"/>
+              </a:solidFill>
+            </a:endParaRPr>
+          </a:p>
+        </p:txBody>
+      </p:sp>
     </p:spTree>
     <p:extLst>
       <p:ext uri="{BB962C8B-B14F-4D97-AF65-F5344CB8AC3E}">
@@ -6358,6 +6454,60 @@
                                   </p:childTnLst>
                                 </p:cTn>
                               </p:par>
+                              <p:par>
+                                <p:cTn id="71" presetID="1" presetClass="exit" presetSubtype="0" fill="hold" grpId="0" nodeType="withEffect">
+                                  <p:stCondLst>
+                                    <p:cond delay="0"/>
+                                  </p:stCondLst>
+                                  <p:childTnLst>
+                                    <p:set>
+                                      <p:cBhvr>
+                                        <p:cTn id="72" dur="1" fill="hold">
+                                          <p:stCondLst>
+                                            <p:cond delay="0"/>
+                                          </p:stCondLst>
+                                        </p:cTn>
+                                        <p:tgtEl>
+                                          <p:spTgt spid="30"/>
+                                        </p:tgtEl>
+                                        <p:attrNameLst>
+                                          <p:attrName>style.visibility</p:attrName>
+                                        </p:attrNameLst>
+                                      </p:cBhvr>
+                                      <p:to>
+                                        <p:strVal val="hidden"/>
+                                      </p:to>
+                                    </p:set>
+                                  </p:childTnLst>
+                                </p:cTn>
+                              </p:par>
+                              <p:par>
+                                <p:cTn id="73" presetID="1" presetClass="exit" presetSubtype="0" fill="hold" grpId="0" nodeType="withEffect">
+                                  <p:stCondLst>
+                                    <p:cond delay="0"/>
+                                  </p:stCondLst>
+                                  <p:childTnLst>
+                                    <p:set>
+                                      <p:cBhvr>
+                                        <p:cTn id="74" dur="1" fill="hold">
+                                          <p:stCondLst>
+                                            <p:cond delay="0"/>
+                                          </p:stCondLst>
+                                        </p:cTn>
+                                        <p:tgtEl>
+                                          <p:spTgt spid="31"/>
+                                        </p:tgtEl>
+                                        <p:attrNameLst>
+                                          <p:attrName>style.visibility</p:attrName>
+                                        </p:attrNameLst>
+                                      </p:cBhvr>
+                                      <p:to>
+                                        <p:strVal val="hidden"/>
+                                      </p:to>
+                                    </p:set>
+                                  </p:childTnLst>
+                                </p:cTn>
+                              </p:par>
                             </p:childTnLst>
                           </p:cTn>
                         </p:par>
@@ -6417,6 +6567,8 @@
       <p:bldP spid="51" grpId="1"/>
       <p:bldP spid="52" grpId="0" animBg="1"/>
       <p:bldP spid="53" grpId="0" animBg="1"/>
+      <p:bldP spid="30" grpId="0" animBg="1"/>
+      <p:bldP spid="31" grpId="0" animBg="1"/>
     </p:bldLst>
   </p:timing>
 </p:sld>

--- a/docs/Delete.pptx
+++ b/docs/Delete.pptx
@@ -5519,8 +5519,8 @@
         </p:nvSpPr>
         <p:spPr bwMode="auto">
           <a:xfrm flipH="1" flipV="1">
-            <a:off x="6205419" y="5045147"/>
-            <a:ext cx="1962628" cy="5529"/>
+            <a:off x="6197600" y="5052291"/>
+            <a:ext cx="1961344" cy="8186"/>
           </a:xfrm>
           <a:prstGeom prst="line">
             <a:avLst/>

--- a/docs/Delete.pptx
+++ b/docs/Delete.pptx
@@ -357,7 +357,7 @@
           <a:p>
             <a:fld id="{9629A0FB-7277-41B0-BEC2-EE35F8B0CE39}" type="datetimeFigureOut">
               <a:rPr lang="en-SG" smtClean="0"/>
-              <a:t>24/3/2020</a:t>
+              <a:t>27/3/2020</a:t>
             </a:fld>
             <a:endParaRPr lang="en-SG"/>
           </a:p>
@@ -4853,8 +4853,21 @@
                   <a:prstClr val="black"/>
                 </a:solidFill>
               </a:rPr>
-              <a:t>:Duke</a:t>
-            </a:r>
+              <a:t>:</a:t>
+            </a:r>
+            <a:r>
+              <a:rPr lang="en-US" sz="1500" dirty="0" err="1">
+                <a:solidFill>
+                  <a:prstClr val="black"/>
+                </a:solidFill>
+              </a:rPr>
+              <a:t>Shoco</a:t>
+            </a:r>
+            <a:endParaRPr lang="en-US" sz="1500" dirty="0">
+              <a:solidFill>
+                <a:prstClr val="black"/>
+              </a:solidFill>
+            </a:endParaRPr>
           </a:p>
         </p:txBody>
       </p:sp>

--- a/docs/Delete.pptx
+++ b/docs/Delete.pptx
@@ -357,7 +357,7 @@
           <a:p>
             <a:fld id="{9629A0FB-7277-41B0-BEC2-EE35F8B0CE39}" type="datetimeFigureOut">
               <a:rPr lang="en-SG" smtClean="0"/>
-              <a:t>27/3/2020</a:t>
+              <a:t>2/4/2020</a:t>
             </a:fld>
             <a:endParaRPr lang="en-SG"/>
           </a:p>
@@ -4096,62 +4096,6 @@
       </p:sp>
       <p:sp>
         <p:nvSpPr>
-          <p:cNvPr id="17" name="Rectangle 16"/>
-          <p:cNvSpPr/>
-          <p:nvPr/>
-        </p:nvSpPr>
-        <p:spPr>
-          <a:xfrm>
-            <a:off x="603890" y="1721228"/>
-            <a:ext cx="225619" cy="4222372"/>
-          </a:xfrm>
-          <a:prstGeom prst="rect">
-            <a:avLst/>
-          </a:prstGeom>
-          <a:solidFill>
-            <a:schemeClr val="accent2">
-              <a:lumMod val="40000"/>
-              <a:lumOff val="60000"/>
-            </a:schemeClr>
-          </a:solidFill>
-          <a:ln>
-            <a:solidFill>
-              <a:schemeClr val="accent2">
-                <a:lumMod val="60000"/>
-                <a:lumOff val="40000"/>
-              </a:schemeClr>
-            </a:solidFill>
-          </a:ln>
-        </p:spPr>
-        <p:style>
-          <a:lnRef idx="2">
-            <a:schemeClr val="accent4"/>
-          </a:lnRef>
-          <a:fillRef idx="1">
-            <a:schemeClr val="lt1"/>
-          </a:fillRef>
-          <a:effectRef idx="0">
-            <a:schemeClr val="accent4"/>
-          </a:effectRef>
-          <a:fontRef idx="minor">
-            <a:schemeClr val="dk1"/>
-          </a:fontRef>
-        </p:style>
-        <p:txBody>
-          <a:bodyPr rtlCol="0" anchor="ctr"/>
-          <a:lstStyle/>
-          <a:p>
-            <a:pPr algn="ctr" defTabSz="872733"/>
-            <a:endParaRPr lang="en-US" sz="1500">
-              <a:solidFill>
-                <a:prstClr val="black"/>
-              </a:solidFill>
-            </a:endParaRPr>
-          </a:p>
-        </p:txBody>
-      </p:sp>
-      <p:sp>
-        <p:nvSpPr>
           <p:cNvPr id="18" name="Text Box 11"/>
           <p:cNvSpPr txBox="1">
             <a:spLocks noChangeArrowheads="1"/>
@@ -4285,9 +4229,9 @@
           <p:nvPr/>
         </p:nvSpPr>
         <p:spPr bwMode="auto">
-          <a:xfrm flipV="1">
-            <a:off x="823868" y="1898263"/>
-            <a:ext cx="1747815" cy="12191"/>
+          <a:xfrm>
+            <a:off x="723645" y="1872698"/>
+            <a:ext cx="1848039" cy="0"/>
           </a:xfrm>
           <a:prstGeom prst="line">
             <a:avLst/>
@@ -4307,7 +4251,7 @@
           <a:lstStyle/>
           <a:p>
             <a:pPr defTabSz="872733"/>
-            <a:endParaRPr lang="en-US" sz="1500">
+            <a:endParaRPr lang="en-US" sz="1500" dirty="0">
               <a:solidFill>
                 <a:prstClr val="black"/>
               </a:solidFill>
@@ -4373,8 +4317,8 @@
         </p:nvSpPr>
         <p:spPr bwMode="auto">
           <a:xfrm flipV="1">
-            <a:off x="3194468" y="3109930"/>
-            <a:ext cx="2099782" cy="0"/>
+            <a:off x="3018095" y="3109930"/>
+            <a:ext cx="2276155" cy="0"/>
           </a:xfrm>
           <a:prstGeom prst="line">
             <a:avLst/>
@@ -4414,7 +4358,7 @@
         </p:nvSpPr>
         <p:spPr bwMode="auto">
           <a:xfrm>
-            <a:off x="808004" y="2320801"/>
+            <a:off x="748114" y="2320800"/>
             <a:ext cx="2500554" cy="323165"/>
           </a:xfrm>
           <a:prstGeom prst="rect">
@@ -4470,7 +4414,7 @@
         </p:nvSpPr>
         <p:spPr bwMode="auto">
           <a:xfrm>
-            <a:off x="965943" y="3019896"/>
+            <a:off x="1086064" y="3013295"/>
             <a:ext cx="1710047" cy="553998"/>
           </a:xfrm>
           <a:prstGeom prst="rect">
@@ -4573,8 +4517,8 @@
         </p:nvSpPr>
         <p:spPr bwMode="auto">
           <a:xfrm flipV="1">
-            <a:off x="863760" y="2696243"/>
-            <a:ext cx="2040971" cy="1"/>
+            <a:off x="748114" y="2696242"/>
+            <a:ext cx="2278570" cy="0"/>
           </a:xfrm>
           <a:prstGeom prst="line">
             <a:avLst/>
@@ -4643,61 +4587,6 @@
               <a:rPr lang="en-US" sz="1500" i="1" dirty="0"/>
               <a:t>Parser()</a:t>
             </a:r>
-          </a:p>
-        </p:txBody>
-      </p:sp>
-      <p:sp>
-        <p:nvSpPr>
-          <p:cNvPr id="40" name="Rectangle 39"/>
-          <p:cNvSpPr/>
-          <p:nvPr/>
-        </p:nvSpPr>
-        <p:spPr>
-          <a:xfrm>
-            <a:off x="5946284" y="4066313"/>
-            <a:ext cx="251361" cy="1370068"/>
-          </a:xfrm>
-          <a:prstGeom prst="rect">
-            <a:avLst/>
-          </a:prstGeom>
-          <a:solidFill>
-            <a:schemeClr val="accent3">
-              <a:lumMod val="20000"/>
-              <a:lumOff val="80000"/>
-            </a:schemeClr>
-          </a:solidFill>
-          <a:ln>
-            <a:solidFill>
-              <a:schemeClr val="accent3">
-                <a:lumMod val="75000"/>
-              </a:schemeClr>
-            </a:solidFill>
-          </a:ln>
-        </p:spPr>
-        <p:style>
-          <a:lnRef idx="2">
-            <a:schemeClr val="accent4"/>
-          </a:lnRef>
-          <a:fillRef idx="1">
-            <a:schemeClr val="lt1"/>
-          </a:fillRef>
-          <a:effectRef idx="0">
-            <a:schemeClr val="accent4"/>
-          </a:effectRef>
-          <a:fontRef idx="minor">
-            <a:schemeClr val="dk1"/>
-          </a:fontRef>
-        </p:style>
-        <p:txBody>
-          <a:bodyPr rtlCol="0" anchor="ctr"/>
-          <a:lstStyle/>
-          <a:p>
-            <a:pPr algn="ctr" defTabSz="872733"/>
-            <a:endParaRPr lang="en-US" sz="1500">
-              <a:solidFill>
-                <a:prstClr val="black"/>
-              </a:solidFill>
-            </a:endParaRPr>
           </a:p>
         </p:txBody>
       </p:sp>
@@ -4853,82 +4742,8 @@
                   <a:prstClr val="black"/>
                 </a:solidFill>
               </a:rPr>
-              <a:t>:</a:t>
-            </a:r>
-            <a:r>
-              <a:rPr lang="en-US" sz="1500" dirty="0" err="1">
-                <a:solidFill>
-                  <a:prstClr val="black"/>
-                </a:solidFill>
-              </a:rPr>
-              <a:t>Shoco</a:t>
-            </a:r>
-            <a:endParaRPr lang="en-US" sz="1500" dirty="0">
-              <a:solidFill>
-                <a:prstClr val="black"/>
-              </a:solidFill>
-            </a:endParaRPr>
-          </a:p>
-        </p:txBody>
-      </p:sp>
-      <p:sp>
-        <p:nvSpPr>
-          <p:cNvPr id="44" name="Rectangle 43">
-            <a:extLst>
-              <a:ext uri="{FF2B5EF4-FFF2-40B4-BE49-F238E27FC236}">
-                <a16:creationId xmlns:a16="http://schemas.microsoft.com/office/drawing/2014/main" id="{1ABAE2EE-0C6F-40C9-9F83-C6E45146189B}"/>
-              </a:ext>
-            </a:extLst>
-          </p:cNvPr>
-          <p:cNvSpPr/>
-          <p:nvPr/>
-        </p:nvSpPr>
-        <p:spPr>
-          <a:xfrm>
-            <a:off x="2888219" y="2698465"/>
-            <a:ext cx="286905" cy="893938"/>
-          </a:xfrm>
-          <a:prstGeom prst="rect">
-            <a:avLst/>
-          </a:prstGeom>
-          <a:solidFill>
-            <a:schemeClr val="accent4">
-              <a:lumMod val="40000"/>
-              <a:lumOff val="60000"/>
-            </a:schemeClr>
-          </a:solidFill>
-          <a:ln>
-            <a:solidFill>
-              <a:schemeClr val="accent4">
-                <a:lumMod val="75000"/>
-              </a:schemeClr>
-            </a:solidFill>
-          </a:ln>
-        </p:spPr>
-        <p:style>
-          <a:lnRef idx="2">
-            <a:schemeClr val="accent4"/>
-          </a:lnRef>
-          <a:fillRef idx="1">
-            <a:schemeClr val="lt1"/>
-          </a:fillRef>
-          <a:effectRef idx="0">
-            <a:schemeClr val="accent4"/>
-          </a:effectRef>
-          <a:fontRef idx="minor">
-            <a:schemeClr val="dk1"/>
-          </a:fontRef>
-        </p:style>
-        <p:txBody>
-          <a:bodyPr rtlCol="0" anchor="ctr"/>
-          <a:lstStyle/>
-          <a:p>
-            <a:pPr algn="ctr" defTabSz="872733"/>
-            <a:endParaRPr lang="en-US" sz="1500">
-              <a:solidFill>
-                <a:prstClr val="black"/>
-              </a:solidFill>
-            </a:endParaRPr>
+              <a:t>:Duke</a:t>
+            </a:r>
           </a:p>
         </p:txBody>
       </p:sp>
@@ -4948,8 +4763,8 @@
         </p:nvSpPr>
         <p:spPr bwMode="auto">
           <a:xfrm flipV="1">
-            <a:off x="875317" y="4066312"/>
-            <a:ext cx="5069986" cy="0"/>
+            <a:off x="748114" y="4075022"/>
+            <a:ext cx="5327065" cy="0"/>
           </a:xfrm>
           <a:prstGeom prst="line">
             <a:avLst/>
@@ -4994,9 +4809,9 @@
           <p:nvPr/>
         </p:nvSpPr>
         <p:spPr bwMode="auto">
-          <a:xfrm>
-            <a:off x="6197645" y="4367567"/>
-            <a:ext cx="1970403" cy="11401"/>
+          <a:xfrm flipV="1">
+            <a:off x="6075179" y="4361412"/>
+            <a:ext cx="2225438" cy="0"/>
           </a:xfrm>
           <a:prstGeom prst="line">
             <a:avLst/>
@@ -5096,8 +4911,8 @@
         </p:nvSpPr>
         <p:spPr bwMode="auto">
           <a:xfrm flipH="1">
-            <a:off x="852246" y="3573169"/>
-            <a:ext cx="2016629" cy="7945"/>
+            <a:off x="723645" y="3538261"/>
+            <a:ext cx="2261392" cy="0"/>
           </a:xfrm>
           <a:prstGeom prst="line">
             <a:avLst/>
@@ -5322,66 +5137,6 @@
           </a:p>
         </p:txBody>
       </p:sp>
-      <p:sp>
-        <p:nvSpPr>
-          <p:cNvPr id="53" name="Rectangle 52">
-            <a:extLst>
-              <a:ext uri="{FF2B5EF4-FFF2-40B4-BE49-F238E27FC236}">
-                <a16:creationId xmlns:a16="http://schemas.microsoft.com/office/drawing/2014/main" id="{E7397DF1-A503-43B8-9D46-710440F45D61}"/>
-              </a:ext>
-            </a:extLst>
-          </p:cNvPr>
-          <p:cNvSpPr/>
-          <p:nvPr/>
-        </p:nvSpPr>
-        <p:spPr>
-          <a:xfrm>
-            <a:off x="8173591" y="4367567"/>
-            <a:ext cx="251361" cy="697392"/>
-          </a:xfrm>
-          <a:prstGeom prst="rect">
-            <a:avLst/>
-          </a:prstGeom>
-          <a:solidFill>
-            <a:schemeClr val="bg2">
-              <a:lumMod val="75000"/>
-            </a:schemeClr>
-          </a:solidFill>
-          <a:ln>
-            <a:solidFill>
-              <a:schemeClr val="bg2">
-                <a:lumMod val="50000"/>
-              </a:schemeClr>
-            </a:solidFill>
-          </a:ln>
-        </p:spPr>
-        <p:style>
-          <a:lnRef idx="2">
-            <a:schemeClr val="accent4"/>
-          </a:lnRef>
-          <a:fillRef idx="1">
-            <a:schemeClr val="lt1"/>
-          </a:fillRef>
-          <a:effectRef idx="0">
-            <a:schemeClr val="accent4"/>
-          </a:effectRef>
-          <a:fontRef idx="minor">
-            <a:schemeClr val="dk1"/>
-          </a:fontRef>
-        </p:style>
-        <p:txBody>
-          <a:bodyPr rtlCol="0" anchor="ctr"/>
-          <a:lstStyle/>
-          <a:p>
-            <a:pPr algn="ctr" defTabSz="872733"/>
-            <a:endParaRPr lang="en-US" sz="1500">
-              <a:solidFill>
-                <a:prstClr val="black"/>
-              </a:solidFill>
-            </a:endParaRPr>
-          </a:p>
-        </p:txBody>
-      </p:sp>
       <p:cxnSp>
         <p:nvCxnSpPr>
           <p:cNvPr id="54" name="Straight Connector 53">
@@ -5483,9 +5238,9 @@
           <p:nvPr/>
         </p:nvSpPr>
         <p:spPr bwMode="auto">
-          <a:xfrm flipH="1" flipV="1">
-            <a:off x="825522" y="5427032"/>
-            <a:ext cx="5106116" cy="1"/>
+          <a:xfrm flipH="1">
+            <a:off x="731463" y="5427029"/>
+            <a:ext cx="5334551" cy="0"/>
           </a:xfrm>
           <a:prstGeom prst="line">
             <a:avLst/>
@@ -5531,9 +5286,9 @@
           <p:nvPr/>
         </p:nvSpPr>
         <p:spPr bwMode="auto">
-          <a:xfrm flipH="1" flipV="1">
-            <a:off x="6197600" y="5052291"/>
-            <a:ext cx="1961344" cy="8186"/>
+          <a:xfrm flipH="1">
+            <a:off x="6071138" y="5036333"/>
+            <a:ext cx="2225439" cy="0"/>
           </a:xfrm>
           <a:prstGeom prst="line">
             <a:avLst/>
@@ -5743,7 +5498,7 @@
                                           </p:stCondLst>
                                         </p:cTn>
                                         <p:tgtEl>
-                                          <p:spTgt spid="17"/>
+                                          <p:spTgt spid="18"/>
                                         </p:tgtEl>
                                         <p:attrNameLst>
                                           <p:attrName>style.visibility</p:attrName>
@@ -5770,7 +5525,7 @@
                                           </p:stCondLst>
                                         </p:cTn>
                                         <p:tgtEl>
-                                          <p:spTgt spid="18"/>
+                                          <p:spTgt spid="19"/>
                                         </p:tgtEl>
                                         <p:attrNameLst>
                                           <p:attrName>style.visibility</p:attrName>
@@ -5797,7 +5552,7 @@
                                           </p:stCondLst>
                                         </p:cTn>
                                         <p:tgtEl>
-                                          <p:spTgt spid="19"/>
+                                          <p:spTgt spid="20"/>
                                         </p:tgtEl>
                                         <p:attrNameLst>
                                           <p:attrName>style.visibility</p:attrName>
@@ -5824,7 +5579,7 @@
                                           </p:stCondLst>
                                         </p:cTn>
                                         <p:tgtEl>
-                                          <p:spTgt spid="20"/>
+                                          <p:spTgt spid="21"/>
                                         </p:tgtEl>
                                         <p:attrNameLst>
                                           <p:attrName>style.visibility</p:attrName>
@@ -5838,7 +5593,7 @@
                                 </p:cTn>
                               </p:par>
                               <p:par>
-                                <p:cTn id="23" presetID="1" presetClass="exit" presetSubtype="0" fill="hold" grpId="0" nodeType="withEffect">
+                                <p:cTn id="23" presetID="1" presetClass="exit" presetSubtype="0" fill="hold" grpId="1" nodeType="withEffect">
                                   <p:stCondLst>
                                     <p:cond delay="0"/>
                                   </p:stCondLst>
@@ -5851,7 +5606,7 @@
                                           </p:stCondLst>
                                         </p:cTn>
                                         <p:tgtEl>
-                                          <p:spTgt spid="21"/>
+                                          <p:spTgt spid="24"/>
                                         </p:tgtEl>
                                         <p:attrNameLst>
                                           <p:attrName>style.visibility</p:attrName>
@@ -5878,7 +5633,7 @@
                                           </p:stCondLst>
                                         </p:cTn>
                                         <p:tgtEl>
-                                          <p:spTgt spid="24"/>
+                                          <p:spTgt spid="25"/>
                                         </p:tgtEl>
                                         <p:attrNameLst>
                                           <p:attrName>style.visibility</p:attrName>
@@ -5905,7 +5660,7 @@
                                           </p:stCondLst>
                                         </p:cTn>
                                         <p:tgtEl>
-                                          <p:spTgt spid="25"/>
+                                          <p:spTgt spid="29"/>
                                         </p:tgtEl>
                                         <p:attrNameLst>
                                           <p:attrName>style.visibility</p:attrName>
@@ -5919,7 +5674,7 @@
                                 </p:cTn>
                               </p:par>
                               <p:par>
-                                <p:cTn id="29" presetID="1" presetClass="exit" presetSubtype="0" fill="hold" grpId="1" nodeType="withEffect">
+                                <p:cTn id="29" presetID="1" presetClass="exit" presetSubtype="0" fill="hold" grpId="0" nodeType="withEffect">
                                   <p:stCondLst>
                                     <p:cond delay="0"/>
                                   </p:stCondLst>
@@ -5932,7 +5687,7 @@
                                           </p:stCondLst>
                                         </p:cTn>
                                         <p:tgtEl>
-                                          <p:spTgt spid="29"/>
+                                          <p:spTgt spid="33"/>
                                         </p:tgtEl>
                                         <p:attrNameLst>
                                           <p:attrName>style.visibility</p:attrName>
@@ -5959,7 +5714,7 @@
                                           </p:stCondLst>
                                         </p:cTn>
                                         <p:tgtEl>
-                                          <p:spTgt spid="33"/>
+                                          <p:spTgt spid="34"/>
                                         </p:tgtEl>
                                         <p:attrNameLst>
                                           <p:attrName>style.visibility</p:attrName>
@@ -5986,7 +5741,7 @@
                                           </p:stCondLst>
                                         </p:cTn>
                                         <p:tgtEl>
-                                          <p:spTgt spid="34"/>
+                                          <p:spTgt spid="38"/>
                                         </p:tgtEl>
                                         <p:attrNameLst>
                                           <p:attrName>style.visibility</p:attrName>
@@ -6013,7 +5768,7 @@
                                           </p:stCondLst>
                                         </p:cTn>
                                         <p:tgtEl>
-                                          <p:spTgt spid="38"/>
+                                          <p:spTgt spid="42"/>
                                         </p:tgtEl>
                                         <p:attrNameLst>
                                           <p:attrName>style.visibility</p:attrName>
@@ -6040,60 +5795,6 @@
                                           </p:stCondLst>
                                         </p:cTn>
                                         <p:tgtEl>
-                                          <p:spTgt spid="40"/>
-                                        </p:tgtEl>
-                                        <p:attrNameLst>
-                                          <p:attrName>style.visibility</p:attrName>
-                                        </p:attrNameLst>
-                                      </p:cBhvr>
-                                      <p:to>
-                                        <p:strVal val="hidden"/>
-                                      </p:to>
-                                    </p:set>
-                                  </p:childTnLst>
-                                </p:cTn>
-                              </p:par>
-                              <p:par>
-                                <p:cTn id="39" presetID="1" presetClass="exit" presetSubtype="0" fill="hold" grpId="0" nodeType="withEffect">
-                                  <p:stCondLst>
-                                    <p:cond delay="0"/>
-                                  </p:stCondLst>
-                                  <p:childTnLst>
-                                    <p:set>
-                                      <p:cBhvr>
-                                        <p:cTn id="40" dur="1" fill="hold">
-                                          <p:stCondLst>
-                                            <p:cond delay="0"/>
-                                          </p:stCondLst>
-                                        </p:cTn>
-                                        <p:tgtEl>
-                                          <p:spTgt spid="42"/>
-                                        </p:tgtEl>
-                                        <p:attrNameLst>
-                                          <p:attrName>style.visibility</p:attrName>
-                                        </p:attrNameLst>
-                                      </p:cBhvr>
-                                      <p:to>
-                                        <p:strVal val="hidden"/>
-                                      </p:to>
-                                    </p:set>
-                                  </p:childTnLst>
-                                </p:cTn>
-                              </p:par>
-                              <p:par>
-                                <p:cTn id="41" presetID="1" presetClass="exit" presetSubtype="0" fill="hold" grpId="0" nodeType="withEffect">
-                                  <p:stCondLst>
-                                    <p:cond delay="0"/>
-                                  </p:stCondLst>
-                                  <p:childTnLst>
-                                    <p:set>
-                                      <p:cBhvr>
-                                        <p:cTn id="42" dur="1" fill="hold">
-                                          <p:stCondLst>
-                                            <p:cond delay="0"/>
-                                          </p:stCondLst>
-                                        </p:cTn>
-                                        <p:tgtEl>
                                           <p:spTgt spid="43"/>
                                         </p:tgtEl>
                                         <p:attrNameLst>
@@ -6107,8 +5808,53 @@
                                   </p:childTnLst>
                                 </p:cTn>
                               </p:par>
+                            </p:childTnLst>
+                          </p:cTn>
+                        </p:par>
+                      </p:childTnLst>
+                    </p:cTn>
+                  </p:par>
+                  <p:par>
+                    <p:cTn id="39" fill="hold">
+                      <p:stCondLst>
+                        <p:cond delay="indefinite"/>
+                      </p:stCondLst>
+                      <p:childTnLst>
+                        <p:par>
+                          <p:cTn id="40" fill="hold">
+                            <p:stCondLst>
+                              <p:cond delay="0"/>
+                            </p:stCondLst>
+                            <p:childTnLst>
                               <p:par>
-                                <p:cTn id="43" presetID="1" presetClass="exit" presetSubtype="0" fill="hold" grpId="0" nodeType="withEffect">
+                                <p:cTn id="41" presetID="1" presetClass="entr" presetSubtype="0" fill="hold" grpId="0" nodeType="clickEffect">
+                                  <p:stCondLst>
+                                    <p:cond delay="0"/>
+                                  </p:stCondLst>
+                                  <p:childTnLst>
+                                    <p:set>
+                                      <p:cBhvr>
+                                        <p:cTn id="42" dur="1" fill="hold">
+                                          <p:stCondLst>
+                                            <p:cond delay="0"/>
+                                          </p:stCondLst>
+                                        </p:cTn>
+                                        <p:tgtEl>
+                                          <p:spTgt spid="45"/>
+                                        </p:tgtEl>
+                                        <p:attrNameLst>
+                                          <p:attrName>style.visibility</p:attrName>
+                                        </p:attrNameLst>
+                                      </p:cBhvr>
+                                      <p:to>
+                                        <p:strVal val="visible"/>
+                                      </p:to>
+                                    </p:set>
+                                  </p:childTnLst>
+                                </p:cTn>
+                              </p:par>
+                              <p:par>
+                                <p:cTn id="43" presetID="1" presetClass="exit" presetSubtype="0" fill="hold" grpId="1" nodeType="withEffect">
                                   <p:stCondLst>
                                     <p:cond delay="0"/>
                                   </p:stCondLst>
@@ -6121,7 +5867,7 @@
                                           </p:stCondLst>
                                         </p:cTn>
                                         <p:tgtEl>
-                                          <p:spTgt spid="44"/>
+                                          <p:spTgt spid="45"/>
                                         </p:tgtEl>
                                         <p:attrNameLst>
                                           <p:attrName>style.visibility</p:attrName>
@@ -6166,7 +5912,7 @@
                                           </p:stCondLst>
                                         </p:cTn>
                                         <p:tgtEl>
-                                          <p:spTgt spid="45"/>
+                                          <p:spTgt spid="46"/>
                                         </p:tgtEl>
                                         <p:attrNameLst>
                                           <p:attrName>style.visibility</p:attrName>
@@ -6193,7 +5939,7 @@
                                           </p:stCondLst>
                                         </p:cTn>
                                         <p:tgtEl>
-                                          <p:spTgt spid="45"/>
+                                          <p:spTgt spid="46"/>
                                         </p:tgtEl>
                                         <p:attrNameLst>
                                           <p:attrName>style.visibility</p:attrName>
@@ -6206,39 +5952,21 @@
                                   </p:childTnLst>
                                 </p:cTn>
                               </p:par>
-                            </p:childTnLst>
-                          </p:cTn>
-                        </p:par>
-                      </p:childTnLst>
-                    </p:cTn>
-                  </p:par>
-                  <p:par>
-                    <p:cTn id="51" fill="hold">
-                      <p:stCondLst>
-                        <p:cond delay="indefinite"/>
-                      </p:stCondLst>
-                      <p:childTnLst>
-                        <p:par>
-                          <p:cTn id="52" fill="hold">
-                            <p:stCondLst>
-                              <p:cond delay="0"/>
-                            </p:stCondLst>
-                            <p:childTnLst>
                               <p:par>
-                                <p:cTn id="53" presetID="1" presetClass="entr" presetSubtype="0" fill="hold" grpId="0" nodeType="clickEffect">
+                                <p:cTn id="51" presetID="1" presetClass="entr" presetSubtype="0" fill="hold" grpId="0" nodeType="withEffect">
                                   <p:stCondLst>
                                     <p:cond delay="0"/>
                                   </p:stCondLst>
                                   <p:childTnLst>
                                     <p:set>
                                       <p:cBhvr>
-                                        <p:cTn id="54" dur="1" fill="hold">
+                                        <p:cTn id="52" dur="1" fill="hold">
                                           <p:stCondLst>
                                             <p:cond delay="0"/>
                                           </p:stCondLst>
                                         </p:cTn>
                                         <p:tgtEl>
-                                          <p:spTgt spid="46"/>
+                                          <p:spTgt spid="47"/>
                                         </p:tgtEl>
                                         <p:attrNameLst>
                                           <p:attrName>style.visibility</p:attrName>
@@ -6252,7 +5980,34 @@
                                 </p:cTn>
                               </p:par>
                               <p:par>
-                                <p:cTn id="55" presetID="1" presetClass="exit" presetSubtype="0" fill="hold" grpId="1" nodeType="withEffect">
+                                <p:cTn id="53" presetID="1" presetClass="exit" presetSubtype="0" fill="hold" grpId="1" nodeType="withEffect">
+                                  <p:stCondLst>
+                                    <p:cond delay="0"/>
+                                  </p:stCondLst>
+                                  <p:childTnLst>
+                                    <p:set>
+                                      <p:cBhvr>
+                                        <p:cTn id="54" dur="1" fill="hold">
+                                          <p:stCondLst>
+                                            <p:cond delay="0"/>
+                                          </p:stCondLst>
+                                        </p:cTn>
+                                        <p:tgtEl>
+                                          <p:spTgt spid="47"/>
+                                        </p:tgtEl>
+                                        <p:attrNameLst>
+                                          <p:attrName>style.visibility</p:attrName>
+                                        </p:attrNameLst>
+                                      </p:cBhvr>
+                                      <p:to>
+                                        <p:strVal val="hidden"/>
+                                      </p:to>
+                                    </p:set>
+                                  </p:childTnLst>
+                                </p:cTn>
+                              </p:par>
+                              <p:par>
+                                <p:cTn id="55" presetID="1" presetClass="exit" presetSubtype="0" fill="hold" grpId="0" nodeType="withEffect">
                                   <p:stCondLst>
                                     <p:cond delay="0"/>
                                   </p:stCondLst>
@@ -6265,7 +6020,7 @@
                                           </p:stCondLst>
                                         </p:cTn>
                                         <p:tgtEl>
-                                          <p:spTgt spid="46"/>
+                                          <p:spTgt spid="48"/>
                                         </p:tgtEl>
                                         <p:attrNameLst>
                                           <p:attrName>style.visibility</p:attrName>
@@ -6292,7 +6047,7 @@
                                           </p:stCondLst>
                                         </p:cTn>
                                         <p:tgtEl>
-                                          <p:spTgt spid="47"/>
+                                          <p:spTgt spid="51"/>
                                         </p:tgtEl>
                                         <p:attrNameLst>
                                           <p:attrName>style.visibility</p:attrName>
@@ -6319,7 +6074,7 @@
                                           </p:stCondLst>
                                         </p:cTn>
                                         <p:tgtEl>
-                                          <p:spTgt spid="47"/>
+                                          <p:spTgt spid="51"/>
                                         </p:tgtEl>
                                         <p:attrNameLst>
                                           <p:attrName>style.visibility</p:attrName>
@@ -6346,87 +6101,6 @@
                                           </p:stCondLst>
                                         </p:cTn>
                                         <p:tgtEl>
-                                          <p:spTgt spid="48"/>
-                                        </p:tgtEl>
-                                        <p:attrNameLst>
-                                          <p:attrName>style.visibility</p:attrName>
-                                        </p:attrNameLst>
-                                      </p:cBhvr>
-                                      <p:to>
-                                        <p:strVal val="hidden"/>
-                                      </p:to>
-                                    </p:set>
-                                  </p:childTnLst>
-                                </p:cTn>
-                              </p:par>
-                              <p:par>
-                                <p:cTn id="63" presetID="1" presetClass="entr" presetSubtype="0" fill="hold" grpId="0" nodeType="withEffect">
-                                  <p:stCondLst>
-                                    <p:cond delay="0"/>
-                                  </p:stCondLst>
-                                  <p:childTnLst>
-                                    <p:set>
-                                      <p:cBhvr>
-                                        <p:cTn id="64" dur="1" fill="hold">
-                                          <p:stCondLst>
-                                            <p:cond delay="0"/>
-                                          </p:stCondLst>
-                                        </p:cTn>
-                                        <p:tgtEl>
-                                          <p:spTgt spid="51"/>
-                                        </p:tgtEl>
-                                        <p:attrNameLst>
-                                          <p:attrName>style.visibility</p:attrName>
-                                        </p:attrNameLst>
-                                      </p:cBhvr>
-                                      <p:to>
-                                        <p:strVal val="visible"/>
-                                      </p:to>
-                                    </p:set>
-                                  </p:childTnLst>
-                                </p:cTn>
-                              </p:par>
-                              <p:par>
-                                <p:cTn id="65" presetID="1" presetClass="exit" presetSubtype="0" fill="hold" grpId="1" nodeType="withEffect">
-                                  <p:stCondLst>
-                                    <p:cond delay="0"/>
-                                  </p:stCondLst>
-                                  <p:childTnLst>
-                                    <p:set>
-                                      <p:cBhvr>
-                                        <p:cTn id="66" dur="1" fill="hold">
-                                          <p:stCondLst>
-                                            <p:cond delay="0"/>
-                                          </p:stCondLst>
-                                        </p:cTn>
-                                        <p:tgtEl>
-                                          <p:spTgt spid="51"/>
-                                        </p:tgtEl>
-                                        <p:attrNameLst>
-                                          <p:attrName>style.visibility</p:attrName>
-                                        </p:attrNameLst>
-                                      </p:cBhvr>
-                                      <p:to>
-                                        <p:strVal val="hidden"/>
-                                      </p:to>
-                                    </p:set>
-                                  </p:childTnLst>
-                                </p:cTn>
-                              </p:par>
-                              <p:par>
-                                <p:cTn id="67" presetID="1" presetClass="exit" presetSubtype="0" fill="hold" grpId="0" nodeType="withEffect">
-                                  <p:stCondLst>
-                                    <p:cond delay="0"/>
-                                  </p:stCondLst>
-                                  <p:childTnLst>
-                                    <p:set>
-                                      <p:cBhvr>
-                                        <p:cTn id="68" dur="1" fill="hold">
-                                          <p:stCondLst>
-                                            <p:cond delay="0"/>
-                                          </p:stCondLst>
-                                        </p:cTn>
-                                        <p:tgtEl>
                                           <p:spTgt spid="52"/>
                                         </p:tgtEl>
                                         <p:attrNameLst>
@@ -6441,41 +6115,14 @@
                                 </p:cTn>
                               </p:par>
                               <p:par>
-                                <p:cTn id="69" presetID="1" presetClass="exit" presetSubtype="0" fill="hold" grpId="0" nodeType="withEffect">
+                                <p:cTn id="63" presetID="1" presetClass="exit" presetSubtype="0" fill="hold" grpId="0" nodeType="withEffect">
                                   <p:stCondLst>
                                     <p:cond delay="0"/>
                                   </p:stCondLst>
                                   <p:childTnLst>
                                     <p:set>
                                       <p:cBhvr>
-                                        <p:cTn id="70" dur="1" fill="hold">
-                                          <p:stCondLst>
-                                            <p:cond delay="0"/>
-                                          </p:stCondLst>
-                                        </p:cTn>
-                                        <p:tgtEl>
-                                          <p:spTgt spid="53"/>
-                                        </p:tgtEl>
-                                        <p:attrNameLst>
-                                          <p:attrName>style.visibility</p:attrName>
-                                        </p:attrNameLst>
-                                      </p:cBhvr>
-                                      <p:to>
-                                        <p:strVal val="hidden"/>
-                                      </p:to>
-                                    </p:set>
-                                  </p:childTnLst>
-                                </p:cTn>
-                              </p:par>
-                              <p:par>
-                                <p:cTn id="71" presetID="1" presetClass="exit" presetSubtype="0" fill="hold" grpId="0" nodeType="withEffect">
-                                  <p:stCondLst>
-                                    <p:cond delay="0"/>
-                                  </p:stCondLst>
-                                  <p:childTnLst>
-                                    <p:set>
-                                      <p:cBhvr>
-                                        <p:cTn id="72" dur="1" fill="hold">
+                                        <p:cTn id="64" dur="1" fill="hold">
                                           <p:stCondLst>
                                             <p:cond delay="0"/>
                                           </p:stCondLst>
@@ -6495,14 +6142,14 @@
                                 </p:cTn>
                               </p:par>
                               <p:par>
-                                <p:cTn id="73" presetID="1" presetClass="exit" presetSubtype="0" fill="hold" grpId="0" nodeType="withEffect">
+                                <p:cTn id="65" presetID="1" presetClass="exit" presetSubtype="0" fill="hold" grpId="0" nodeType="withEffect">
                                   <p:stCondLst>
                                     <p:cond delay="0"/>
                                   </p:stCondLst>
                                   <p:childTnLst>
                                     <p:set>
                                       <p:cBhvr>
-                                        <p:cTn id="74" dur="1" fill="hold">
+                                        <p:cTn id="66" dur="1" fill="hold">
                                           <p:stCondLst>
                                             <p:cond delay="0"/>
                                           </p:stCondLst>
@@ -6551,7 +6198,6 @@
     <p:bldLst>
       <p:bldP spid="5" grpId="0" animBg="1"/>
       <p:bldP spid="6" grpId="0" animBg="1"/>
-      <p:bldP spid="17" grpId="0" animBg="1"/>
       <p:bldP spid="18" grpId="0" animBg="1"/>
       <p:bldP spid="19" grpId="0" animBg="1"/>
       <p:bldP spid="20" grpId="0" animBg="1"/>
@@ -6565,10 +6211,8 @@
       <p:bldP spid="33" grpId="0" animBg="1"/>
       <p:bldP spid="34" grpId="0" animBg="1"/>
       <p:bldP spid="38" grpId="0"/>
-      <p:bldP spid="40" grpId="0" animBg="1"/>
       <p:bldP spid="42" grpId="0" animBg="1"/>
       <p:bldP spid="43" grpId="0" animBg="1"/>
-      <p:bldP spid="44" grpId="0" animBg="1"/>
       <p:bldP spid="45" grpId="0" animBg="1"/>
       <p:bldP spid="45" grpId="1" animBg="1"/>
       <p:bldP spid="46" grpId="0" animBg="1"/>
@@ -6579,7 +6223,6 @@
       <p:bldP spid="51" grpId="0"/>
       <p:bldP spid="51" grpId="1"/>
       <p:bldP spid="52" grpId="0" animBg="1"/>
-      <p:bldP spid="53" grpId="0" animBg="1"/>
       <p:bldP spid="30" grpId="0" animBg="1"/>
       <p:bldP spid="31" grpId="0" animBg="1"/>
     </p:bldLst>

--- a/docs/Delete.pptx
+++ b/docs/Delete.pptx
@@ -3979,8 +3979,8 @@
         </p:nvSpPr>
         <p:spPr bwMode="auto">
           <a:xfrm flipH="1">
-            <a:off x="723645" y="1440949"/>
-            <a:ext cx="5124" cy="4822691"/>
+            <a:off x="723645" y="1430971"/>
+            <a:ext cx="0" cy="4832670"/>
           </a:xfrm>
           <a:prstGeom prst="line">
             <a:avLst/>
@@ -4177,7 +4177,7 @@
         <p:spPr bwMode="auto">
           <a:xfrm flipH="1">
             <a:off x="3018095" y="2137789"/>
-            <a:ext cx="8589" cy="1590924"/>
+            <a:ext cx="0" cy="1590924"/>
           </a:xfrm>
           <a:prstGeom prst="line">
             <a:avLst/>
